--- a/course/spring_lecture2.pptx
+++ b/course/spring_lecture2.pptx
@@ -397,7 +397,7 @@
           <a:p>
             <a:fld id="{4E6599C8-6CF5-4426-8B05-95D72E154976}" type="datetimeFigureOut">
               <a:rPr lang="en-GB" smtClean="0"/>
-              <a:t>26/07/2016</a:t>
+              <a:t>27/07/2016</a:t>
             </a:fld>
             <a:endParaRPr lang="en-GB"/>
           </a:p>
@@ -605,7 +605,7 @@
           <a:p>
             <a:fld id="{4E6599C8-6CF5-4426-8B05-95D72E154976}" type="datetimeFigureOut">
               <a:rPr lang="en-GB" smtClean="0"/>
-              <a:t>26/07/2016</a:t>
+              <a:t>27/07/2016</a:t>
             </a:fld>
             <a:endParaRPr lang="en-GB"/>
           </a:p>
@@ -861,7 +861,7 @@
           <a:p>
             <a:fld id="{4E6599C8-6CF5-4426-8B05-95D72E154976}" type="datetimeFigureOut">
               <a:rPr lang="en-GB" smtClean="0"/>
-              <a:t>26/07/2016</a:t>
+              <a:t>27/07/2016</a:t>
             </a:fld>
             <a:endParaRPr lang="en-GB"/>
           </a:p>
@@ -1035,7 +1035,7 @@
           <a:p>
             <a:fld id="{4E6599C8-6CF5-4426-8B05-95D72E154976}" type="datetimeFigureOut">
               <a:rPr lang="en-GB" smtClean="0"/>
-              <a:t>26/07/2016</a:t>
+              <a:t>27/07/2016</a:t>
             </a:fld>
             <a:endParaRPr lang="en-GB"/>
           </a:p>
@@ -1378,7 +1378,7 @@
           <a:p>
             <a:fld id="{4E6599C8-6CF5-4426-8B05-95D72E154976}" type="datetimeFigureOut">
               <a:rPr lang="en-GB" smtClean="0"/>
-              <a:t>26/07/2016</a:t>
+              <a:t>27/07/2016</a:t>
             </a:fld>
             <a:endParaRPr lang="en-GB"/>
           </a:p>
@@ -1653,7 +1653,7 @@
           <a:p>
             <a:fld id="{4E6599C8-6CF5-4426-8B05-95D72E154976}" type="datetimeFigureOut">
               <a:rPr lang="en-GB" smtClean="0"/>
-              <a:t>26/07/2016</a:t>
+              <a:t>27/07/2016</a:t>
             </a:fld>
             <a:endParaRPr lang="en-GB"/>
           </a:p>
@@ -2032,7 +2032,7 @@
           <a:p>
             <a:fld id="{4E6599C8-6CF5-4426-8B05-95D72E154976}" type="datetimeFigureOut">
               <a:rPr lang="en-GB" smtClean="0"/>
-              <a:t>26/07/2016</a:t>
+              <a:t>27/07/2016</a:t>
             </a:fld>
             <a:endParaRPr lang="en-GB"/>
           </a:p>
@@ -2150,7 +2150,7 @@
           <a:p>
             <a:fld id="{4E6599C8-6CF5-4426-8B05-95D72E154976}" type="datetimeFigureOut">
               <a:rPr lang="en-GB" smtClean="0"/>
-              <a:t>26/07/2016</a:t>
+              <a:t>27/07/2016</a:t>
             </a:fld>
             <a:endParaRPr lang="en-GB"/>
           </a:p>
@@ -2321,7 +2321,7 @@
           <a:p>
             <a:fld id="{4E6599C8-6CF5-4426-8B05-95D72E154976}" type="datetimeFigureOut">
               <a:rPr lang="en-GB" smtClean="0"/>
-              <a:t>26/07/2016</a:t>
+              <a:t>27/07/2016</a:t>
             </a:fld>
             <a:endParaRPr lang="en-GB"/>
           </a:p>
@@ -2675,7 +2675,7 @@
           <a:p>
             <a:fld id="{4E6599C8-6CF5-4426-8B05-95D72E154976}" type="datetimeFigureOut">
               <a:rPr lang="en-GB" smtClean="0"/>
-              <a:t>26/07/2016</a:t>
+              <a:t>27/07/2016</a:t>
             </a:fld>
             <a:endParaRPr lang="en-GB"/>
           </a:p>
@@ -3057,7 +3057,7 @@
           <a:p>
             <a:fld id="{4E6599C8-6CF5-4426-8B05-95D72E154976}" type="datetimeFigureOut">
               <a:rPr lang="en-GB" smtClean="0"/>
-              <a:t>26/07/2016</a:t>
+              <a:t>27/07/2016</a:t>
             </a:fld>
             <a:endParaRPr lang="en-GB"/>
           </a:p>
@@ -3344,7 +3344,7 @@
           <a:p>
             <a:fld id="{4E6599C8-6CF5-4426-8B05-95D72E154976}" type="datetimeFigureOut">
               <a:rPr lang="en-GB" smtClean="0"/>
-              <a:t>26/07/2016</a:t>
+              <a:t>27/07/2016</a:t>
             </a:fld>
             <a:endParaRPr lang="en-GB"/>
           </a:p>
@@ -3904,7 +3904,7 @@
         </p:nvSpPr>
         <p:spPr>
           <a:xfrm>
-            <a:off x="4077551" y="4343980"/>
+            <a:off x="4122706" y="4264958"/>
             <a:ext cx="3976410" cy="369332"/>
           </a:xfrm>
           <a:prstGeom prst="rect">
@@ -4137,7 +4137,7 @@
         </p:blipFill>
         <p:spPr>
           <a:xfrm>
-            <a:off x="2459355" y="1782516"/>
+            <a:off x="1217577" y="1771227"/>
             <a:ext cx="7334250" cy="4543425"/>
           </a:xfrm>
           <a:prstGeom prst="rect">
@@ -4239,7 +4239,15 @@
             <a:pPr lvl="1"/>
             <a:r>
               <a:rPr lang="en-US" dirty="0" smtClean="0"/>
-              <a:t>Bean defined from applicationcontext.xml</a:t>
+              <a:t>Bean defined from </a:t>
+            </a:r>
+            <a:r>
+              <a:rPr lang="en-US" dirty="0" smtClean="0">
+                <a:solidFill>
+                  <a:srgbClr val="FF0000"/>
+                </a:solidFill>
+              </a:rPr>
+              <a:t>applicationcontext.xml</a:t>
             </a:r>
           </a:p>
           <a:p>
@@ -4595,7 +4603,7 @@
       </p:sp>
       <p:pic>
         <p:nvPicPr>
-          <p:cNvPr id="4" name="Picture 3"/>
+          <p:cNvPr id="5" name="Picture 4"/>
           <p:cNvPicPr>
             <a:picLocks noChangeAspect="1"/>
           </p:cNvPicPr>
@@ -4609,8 +4617,8 @@
         </p:blipFill>
         <p:spPr>
           <a:xfrm>
-            <a:off x="6168981" y="1785386"/>
-            <a:ext cx="5492442" cy="5006922"/>
+            <a:off x="3793066" y="1785386"/>
+            <a:ext cx="5486400" cy="5010150"/>
           </a:xfrm>
           <a:prstGeom prst="rect">
             <a:avLst/>
@@ -4768,7 +4776,7 @@
         <p:spPr>
           <a:xfrm>
             <a:off x="1962878" y="2741876"/>
-            <a:ext cx="7584538" cy="3195285"/>
+            <a:ext cx="8068754" cy="3399280"/>
           </a:xfrm>
           <a:prstGeom prst="rect">
             <a:avLst/>
@@ -4923,12 +4931,12 @@
           <a:p>
             <a:pPr lvl="2"/>
             <a:r>
-              <a:rPr lang="en-US" dirty="0" err="1" smtClean="0"/>
-              <a:t>Instatiate</a:t>
-            </a:r>
-            <a:r>
-              <a:rPr lang="en-US" dirty="0" smtClean="0"/>
-              <a:t> a </a:t>
+              <a:rPr lang="en-US" dirty="0" smtClean="0"/>
+              <a:t>Instantiate </a:t>
+            </a:r>
+            <a:r>
+              <a:rPr lang="en-US" dirty="0" smtClean="0"/>
+              <a:t>a </a:t>
             </a:r>
             <a:r>
               <a:rPr lang="en-US" dirty="0" err="1" smtClean="0"/>
@@ -5063,7 +5071,7 @@
         </p:blipFill>
         <p:spPr>
           <a:xfrm>
-            <a:off x="2031470" y="2551289"/>
+            <a:off x="1196092" y="2336800"/>
             <a:ext cx="8129059" cy="3675748"/>
           </a:xfrm>
           <a:prstGeom prst="rect">
@@ -5137,7 +5145,7 @@
       </p:sp>
       <p:pic>
         <p:nvPicPr>
-          <p:cNvPr id="5" name="Picture 4"/>
+          <p:cNvPr id="3" name="Picture 2"/>
           <p:cNvPicPr>
             <a:picLocks noChangeAspect="1"/>
           </p:cNvPicPr>
@@ -5151,8 +5159,8 @@
         </p:blipFill>
         <p:spPr>
           <a:xfrm>
-            <a:off x="2190044" y="1792583"/>
-            <a:ext cx="7866764" cy="4485634"/>
+            <a:off x="1225197" y="1851906"/>
+            <a:ext cx="7867650" cy="4486275"/>
           </a:xfrm>
           <a:prstGeom prst="rect">
             <a:avLst/>
@@ -5239,7 +5247,7 @@
         </p:blipFill>
         <p:spPr>
           <a:xfrm>
-            <a:off x="2520069" y="1822272"/>
+            <a:off x="1244425" y="1822272"/>
             <a:ext cx="7038975" cy="4410075"/>
           </a:xfrm>
           <a:prstGeom prst="rect">
@@ -6181,7 +6189,7 @@
         </p:blipFill>
         <p:spPr>
           <a:xfrm>
-            <a:off x="2176530" y="1775997"/>
+            <a:off x="1262130" y="1793805"/>
             <a:ext cx="7600200" cy="4513656"/>
           </a:xfrm>
           <a:prstGeom prst="rect">
@@ -6265,7 +6273,7 @@
         </p:blipFill>
         <p:spPr>
           <a:xfrm>
-            <a:off x="1803042" y="1819016"/>
+            <a:off x="1193444" y="1819016"/>
             <a:ext cx="8839721" cy="4509280"/>
           </a:xfrm>
           <a:prstGeom prst="rect">
@@ -6450,7 +6458,7 @@
         </p:nvSpPr>
         <p:spPr>
           <a:xfrm>
-            <a:off x="872067" y="2645480"/>
+            <a:off x="905934" y="2148769"/>
             <a:ext cx="10515600" cy="1325563"/>
           </a:xfrm>
         </p:spPr>
@@ -6673,7 +6681,7 @@
         </p:nvSpPr>
         <p:spPr>
           <a:xfrm>
-            <a:off x="894644" y="2408414"/>
+            <a:off x="883355" y="2261659"/>
             <a:ext cx="10515600" cy="1325563"/>
           </a:xfrm>
         </p:spPr>
@@ -7013,13 +7021,10 @@
               <a:t> container , and transaction management </a:t>
             </a:r>
             <a:r>
-              <a:rPr lang="en-US" dirty="0" err="1" smtClean="0"/>
-              <a:t>intergration</a:t>
-            </a:r>
-            <a:r>
-              <a:rPr lang="en-US" dirty="0" smtClean="0"/>
-              <a:t> </a:t>
-            </a:r>
+              <a:rPr lang="en-US" dirty="0" smtClean="0"/>
+              <a:t>integration </a:t>
+            </a:r>
+            <a:endParaRPr lang="en-US" dirty="0" smtClean="0"/>
           </a:p>
           <a:p>
             <a:pPr lvl="2"/>
@@ -7120,7 +7125,7 @@
         </p:nvSpPr>
         <p:spPr>
           <a:xfrm>
-            <a:off x="1052689" y="2634191"/>
+            <a:off x="962378" y="2306813"/>
             <a:ext cx="10515600" cy="1325563"/>
           </a:xfrm>
         </p:spPr>
@@ -7590,7 +7595,7 @@
         </p:blipFill>
         <p:spPr>
           <a:xfrm>
-            <a:off x="2206685" y="1961621"/>
+            <a:off x="1213262" y="2018065"/>
             <a:ext cx="7778630" cy="3852156"/>
           </a:xfrm>
           <a:prstGeom prst="rect">
@@ -7670,7 +7675,7 @@
         </p:nvSpPr>
         <p:spPr>
           <a:xfrm>
-            <a:off x="984956" y="1848961"/>
+            <a:off x="1097280" y="1848961"/>
             <a:ext cx="10515600" cy="2317397"/>
           </a:xfrm>
         </p:spPr>
@@ -7729,7 +7734,7 @@
       </p:sp>
       <p:pic>
         <p:nvPicPr>
-          <p:cNvPr id="5" name="Picture 4"/>
+          <p:cNvPr id="4" name="Picture 3"/>
           <p:cNvPicPr>
             <a:picLocks noChangeAspect="1"/>
           </p:cNvPicPr>
@@ -7743,8 +7748,8 @@
         </p:blipFill>
         <p:spPr>
           <a:xfrm>
-            <a:off x="2294113" y="4277959"/>
-            <a:ext cx="7332207" cy="1897063"/>
+            <a:off x="1311275" y="3976687"/>
+            <a:ext cx="7334250" cy="1952625"/>
           </a:xfrm>
           <a:prstGeom prst="rect">
             <a:avLst/>
@@ -7813,7 +7818,7 @@
       </p:sp>
       <p:pic>
         <p:nvPicPr>
-          <p:cNvPr id="5" name="Picture 4"/>
+          <p:cNvPr id="3" name="Picture 2"/>
           <p:cNvPicPr>
             <a:picLocks noChangeAspect="1"/>
           </p:cNvPicPr>
@@ -7827,8 +7832,8 @@
         </p:blipFill>
         <p:spPr>
           <a:xfrm>
-            <a:off x="2293364" y="1816629"/>
-            <a:ext cx="7605272" cy="4437416"/>
+            <a:off x="1223081" y="1887010"/>
+            <a:ext cx="6746875" cy="3939904"/>
           </a:xfrm>
           <a:prstGeom prst="rect">
             <a:avLst/>
@@ -7911,8 +7916,8 @@
         </p:blipFill>
         <p:spPr>
           <a:xfrm>
-            <a:off x="1898474" y="2006777"/>
-            <a:ext cx="8659899" cy="3919890"/>
+            <a:off x="1097280" y="1848732"/>
+            <a:ext cx="7936649" cy="3592512"/>
           </a:xfrm>
           <a:prstGeom prst="rect">
             <a:avLst/>
@@ -7999,7 +8004,7 @@
         </p:nvSpPr>
         <p:spPr>
           <a:xfrm>
-            <a:off x="838200" y="3443288"/>
+            <a:off x="1097280" y="3507683"/>
             <a:ext cx="10515600" cy="2733675"/>
           </a:xfrm>
         </p:spPr>
@@ -8336,8 +8341,8 @@
         </p:blipFill>
         <p:spPr>
           <a:xfrm>
-            <a:off x="1930765" y="1775997"/>
-            <a:ext cx="7718575" cy="4359451"/>
+            <a:off x="1253067" y="1850250"/>
+            <a:ext cx="7335118" cy="4142874"/>
           </a:xfrm>
           <a:prstGeom prst="rect">
             <a:avLst/>
@@ -8428,7 +8433,7 @@
         </p:blipFill>
         <p:spPr>
           <a:xfrm>
-            <a:off x="2494843" y="1771228"/>
+            <a:off x="1241776" y="1771227"/>
             <a:ext cx="7204461" cy="4522132"/>
           </a:xfrm>
           <a:prstGeom prst="rect">
@@ -9359,7 +9364,7 @@
         </p:blipFill>
         <p:spPr>
           <a:xfrm>
-            <a:off x="2676700" y="2563637"/>
+            <a:off x="1107545" y="2405593"/>
             <a:ext cx="6802666" cy="3588808"/>
           </a:xfrm>
           <a:prstGeom prst="rect">
@@ -9624,7 +9629,7 @@
         </p:blipFill>
         <p:spPr>
           <a:xfrm>
-            <a:off x="2434342" y="2619022"/>
+            <a:off x="1282876" y="2460978"/>
             <a:ext cx="7298640" cy="3330222"/>
           </a:xfrm>
           <a:prstGeom prst="rect">
@@ -9972,7 +9977,7 @@
         </p:blipFill>
         <p:spPr>
           <a:xfrm>
-            <a:off x="2029706" y="1911525"/>
+            <a:off x="1216906" y="1922814"/>
             <a:ext cx="7959265" cy="4049008"/>
           </a:xfrm>
           <a:prstGeom prst="rect">
@@ -10397,7 +10402,7 @@
         </p:blipFill>
         <p:spPr>
           <a:xfrm>
-            <a:off x="1608313" y="1780841"/>
+            <a:off x="1224491" y="1825997"/>
             <a:ext cx="9227383" cy="4371445"/>
           </a:xfrm>
           <a:prstGeom prst="rect">
@@ -10539,7 +10544,7 @@
             <a:pPr lvl="1"/>
             <a:r>
               <a:rPr lang="en-US" dirty="0" smtClean="0"/>
-              <a:t>For large projects comprised of numerous modules , develop a predictable naming system 	for context files</a:t>
+              <a:t>For large projects comprised of numerous modules , develop a predictable naming system for context files</a:t>
             </a:r>
             <a:endParaRPr lang="en-GB" dirty="0"/>
           </a:p>
@@ -10637,15 +10642,7 @@
             </a:r>
             <a:r>
               <a:rPr lang="en-US" dirty="0" smtClean="0"/>
-              <a:t> provides comprehensive support for </a:t>
-            </a:r>
-            <a:r>
-              <a:rPr lang="en-US" dirty="0" err="1" smtClean="0"/>
-              <a:t>instantation</a:t>
-            </a:r>
-            <a:r>
-              <a:rPr lang="en-US" dirty="0" smtClean="0"/>
-              <a:t> patterns</a:t>
+              <a:t> provides comprehensive support for instantiation patterns</a:t>
             </a:r>
           </a:p>
           <a:p>
@@ -11322,7 +11319,15 @@
             <a:pPr lvl="2"/>
             <a:r>
               <a:rPr lang="en-US" dirty="0" smtClean="0"/>
-              <a:t>Conventional name is applicationcontext.xml</a:t>
+              <a:t>Conventional name is </a:t>
+            </a:r>
+            <a:r>
+              <a:rPr lang="en-US" dirty="0" smtClean="0">
+                <a:solidFill>
+                  <a:srgbClr val="FF0000"/>
+                </a:solidFill>
+              </a:rPr>
+              <a:t>applicationcontext.xml</a:t>
             </a:r>
           </a:p>
           <a:p>
@@ -11364,7 +11369,15 @@
             <a:pPr lvl="2"/>
             <a:r>
               <a:rPr lang="en-US" dirty="0" smtClean="0"/>
-              <a:t>Conventional approach is to use bean attributes : id and classes</a:t>
+              <a:t>Conventional approach is to use bean attributes : </a:t>
+            </a:r>
+            <a:r>
+              <a:rPr lang="en-US" dirty="0" smtClean="0">
+                <a:solidFill>
+                  <a:srgbClr val="FF0000"/>
+                </a:solidFill>
+              </a:rPr>
+              <a:t>id and classes</a:t>
             </a:r>
           </a:p>
           <a:p>
